--- a/fuentes/contenidos/grado11/guion11/CN_11_11.pptx
+++ b/fuentes/contenidos/grado11/guion11/CN_11_11.pptx
@@ -405,7 +405,7 @@
           <a:p>
             <a:fld id="{5001C876-01F7-4317-94B9-1AE222133113}" type="datetimeFigureOut">
               <a:rPr lang="es-ES" smtClean="0"/>
-              <a:t>10/05/2016</a:t>
+              <a:t>11/05/2016</a:t>
             </a:fld>
             <a:endParaRPr lang="es-ES"/>
           </a:p>
@@ -1057,7 +1057,7 @@
         </p:nvSpPr>
         <p:spPr>
           <a:xfrm>
-            <a:off x="3183436" y="5199183"/>
+            <a:off x="3596672" y="5199183"/>
             <a:ext cx="770350" cy="343787"/>
           </a:xfrm>
           <a:prstGeom prst="rect">
@@ -1138,9 +1138,9 @@
           <p:nvPr/>
         </p:nvCxnSpPr>
         <p:spPr>
-          <a:xfrm flipH="1">
-            <a:off x="7447040" y="2537007"/>
-            <a:ext cx="5205" cy="111308"/>
+          <a:xfrm>
+            <a:off x="7452245" y="2537007"/>
+            <a:ext cx="3587" cy="111308"/>
           </a:xfrm>
           <a:prstGeom prst="line">
             <a:avLst/>
@@ -1174,7 +1174,7 @@
         </p:nvSpPr>
         <p:spPr>
           <a:xfrm>
-            <a:off x="3967168" y="5869906"/>
+            <a:off x="4380404" y="5869906"/>
             <a:ext cx="752129" cy="230832"/>
           </a:xfrm>
           <a:prstGeom prst="rect">
@@ -1205,7 +1205,7 @@
         </p:nvCxnSpPr>
         <p:spPr>
           <a:xfrm rot="5400000">
-            <a:off x="5466914" y="5278512"/>
+            <a:off x="861042" y="5278512"/>
             <a:ext cx="265342" cy="785350"/>
           </a:xfrm>
           <a:prstGeom prst="bentConnector3">
@@ -1272,9 +1272,9 @@
           <p:nvPr/>
         </p:nvCxnSpPr>
         <p:spPr>
-          <a:xfrm rot="16200000" flipH="1">
-            <a:off x="4904807" y="3061743"/>
-            <a:ext cx="180969" cy="1993117"/>
+          <a:xfrm rot="5400000">
+            <a:off x="2171047" y="3182750"/>
+            <a:ext cx="180969" cy="1751105"/>
           </a:xfrm>
           <a:prstGeom prst="bentConnector3">
             <a:avLst>
@@ -1313,7 +1313,7 @@
         </p:nvCxnSpPr>
         <p:spPr>
           <a:xfrm>
-            <a:off x="1865900" y="6039675"/>
+            <a:off x="6970839" y="6039675"/>
             <a:ext cx="1167" cy="210724"/>
           </a:xfrm>
           <a:prstGeom prst="line">
@@ -1351,7 +1351,7 @@
         </p:nvCxnSpPr>
         <p:spPr>
           <a:xfrm>
-            <a:off x="401488" y="6132852"/>
+            <a:off x="5506427" y="6132852"/>
             <a:ext cx="1234" cy="106610"/>
           </a:xfrm>
           <a:prstGeom prst="line">
@@ -1386,7 +1386,7 @@
         </p:nvSpPr>
         <p:spPr>
           <a:xfrm>
-            <a:off x="1493387" y="5808843"/>
+            <a:off x="6598326" y="5808843"/>
             <a:ext cx="745025" cy="230832"/>
           </a:xfrm>
           <a:prstGeom prst="rect">
@@ -1417,7 +1417,7 @@
         </p:nvCxnSpPr>
         <p:spPr>
           <a:xfrm rot="16200000" flipH="1">
-            <a:off x="3792454" y="5319127"/>
+            <a:off x="4205690" y="5319127"/>
             <a:ext cx="326936" cy="774622"/>
           </a:xfrm>
           <a:prstGeom prst="bentConnector3">
@@ -1454,7 +1454,7 @@
         </p:nvSpPr>
         <p:spPr>
           <a:xfrm>
-            <a:off x="4785961" y="5803858"/>
+            <a:off x="180089" y="5803858"/>
             <a:ext cx="841898" cy="369332"/>
           </a:xfrm>
           <a:prstGeom prst="rect">
@@ -1492,9 +1492,9 @@
           <p:nvPr/>
         </p:nvCxnSpPr>
         <p:spPr>
-          <a:xfrm rot="5400000" flipH="1" flipV="1">
-            <a:off x="3076286" y="3226341"/>
-            <a:ext cx="180969" cy="1663925"/>
+          <a:xfrm rot="16200000" flipV="1">
+            <a:off x="4029618" y="3075284"/>
+            <a:ext cx="180969" cy="1966037"/>
           </a:xfrm>
           <a:prstGeom prst="bentConnector3">
             <a:avLst>
@@ -1527,18 +1527,18 @@
           <p:cNvPr id="94" name="Conector angular 93"/>
           <p:cNvCxnSpPr>
             <a:stCxn id="4" idx="2"/>
-            <a:endCxn id="83" idx="0"/>
+            <a:endCxn id="77" idx="0"/>
           </p:cNvCxnSpPr>
           <p:nvPr/>
         </p:nvCxnSpPr>
         <p:spPr>
           <a:xfrm rot="16200000" flipH="1">
-            <a:off x="5868860" y="-467204"/>
-            <a:ext cx="459258" cy="2707514"/>
+            <a:off x="6031052" y="-629396"/>
+            <a:ext cx="136738" cy="2709378"/>
           </a:xfrm>
           <a:prstGeom prst="bentConnector3">
             <a:avLst>
-              <a:gd name="adj1" fmla="val 14604"/>
+              <a:gd name="adj1" fmla="val 50000"/>
             </a:avLst>
           </a:prstGeom>
           <a:ln w="12700">
@@ -1570,7 +1570,7 @@
         </p:nvSpPr>
         <p:spPr>
           <a:xfrm>
-            <a:off x="2356059" y="5806531"/>
+            <a:off x="2769295" y="5806531"/>
             <a:ext cx="841898" cy="369332"/>
           </a:xfrm>
           <a:prstGeom prst="rect">
@@ -1606,7 +1606,7 @@
         </p:nvSpPr>
         <p:spPr>
           <a:xfrm>
-            <a:off x="3207986" y="5848743"/>
+            <a:off x="3621222" y="5848743"/>
             <a:ext cx="713657" cy="246221"/>
           </a:xfrm>
           <a:prstGeom prst="rect">
@@ -1637,7 +1637,7 @@
         </p:nvCxnSpPr>
         <p:spPr>
           <a:xfrm rot="5400000">
-            <a:off x="5830815" y="5699553"/>
+            <a:off x="1224943" y="5699553"/>
             <a:ext cx="322483" cy="408"/>
           </a:xfrm>
           <a:prstGeom prst="bentConnector3">
@@ -1676,9 +1676,9 @@
           <p:nvPr/>
         </p:nvCxnSpPr>
         <p:spPr>
-          <a:xfrm rot="5400000">
-            <a:off x="1629308" y="4491609"/>
-            <a:ext cx="194884" cy="1216115"/>
+          <a:xfrm rot="16200000" flipH="1">
+            <a:off x="5565933" y="4539410"/>
+            <a:ext cx="194884" cy="1120512"/>
           </a:xfrm>
           <a:prstGeom prst="bentConnector3">
             <a:avLst>
@@ -1716,9 +1716,9 @@
           <p:nvPr/>
         </p:nvCxnSpPr>
         <p:spPr>
-          <a:xfrm rot="16200000" flipV="1">
-            <a:off x="2853230" y="4483802"/>
-            <a:ext cx="196959" cy="1233804"/>
+          <a:xfrm rot="5400000" flipH="1" flipV="1">
+            <a:off x="4444004" y="4540068"/>
+            <a:ext cx="196959" cy="1121272"/>
           </a:xfrm>
           <a:prstGeom prst="bentConnector3">
             <a:avLst>
@@ -1754,7 +1754,7 @@
         </p:nvSpPr>
         <p:spPr>
           <a:xfrm>
-            <a:off x="5628243" y="5213365"/>
+            <a:off x="1022371" y="5213365"/>
             <a:ext cx="728034" cy="325151"/>
           </a:xfrm>
           <a:prstGeom prst="rect">
@@ -1841,7 +1841,7 @@
         </p:nvCxnSpPr>
         <p:spPr>
           <a:xfrm rot="16200000" flipH="1">
-            <a:off x="6222996" y="5307779"/>
+            <a:off x="1617124" y="5307779"/>
             <a:ext cx="323058" cy="784531"/>
           </a:xfrm>
           <a:prstGeom prst="bentConnector3">
@@ -1881,8 +1881,8 @@
         </p:nvCxnSpPr>
         <p:spPr>
           <a:xfrm rot="5400000" flipH="1" flipV="1">
-            <a:off x="3493839" y="-459262"/>
-            <a:ext cx="134707" cy="2367080"/>
+            <a:off x="3494518" y="-458583"/>
+            <a:ext cx="134707" cy="2365722"/>
           </a:xfrm>
           <a:prstGeom prst="bentConnector3">
             <a:avLst>
@@ -1918,7 +1918,7 @@
         </p:nvSpPr>
         <p:spPr>
           <a:xfrm>
-            <a:off x="5635023" y="5860999"/>
+            <a:off x="1029151" y="5860999"/>
             <a:ext cx="713657" cy="246221"/>
           </a:xfrm>
           <a:prstGeom prst="rect">
@@ -1946,7 +1946,7 @@
         </p:nvSpPr>
         <p:spPr>
           <a:xfrm>
-            <a:off x="6384523" y="5861574"/>
+            <a:off x="1778651" y="5861574"/>
             <a:ext cx="784535" cy="230832"/>
           </a:xfrm>
           <a:prstGeom prst="rect">
@@ -1974,7 +1974,7 @@
         </p:nvSpPr>
         <p:spPr>
           <a:xfrm>
-            <a:off x="756629" y="5197108"/>
+            <a:off x="5861568" y="5197108"/>
             <a:ext cx="724126" cy="341409"/>
           </a:xfrm>
           <a:prstGeom prst="rect">
@@ -2025,7 +2025,7 @@
         </p:nvSpPr>
         <p:spPr>
           <a:xfrm>
-            <a:off x="4874406" y="6233668"/>
+            <a:off x="268534" y="6233668"/>
             <a:ext cx="665006" cy="432353"/>
           </a:xfrm>
           <a:prstGeom prst="rect">
@@ -2086,7 +2086,7 @@
         </p:nvCxnSpPr>
         <p:spPr>
           <a:xfrm flipH="1">
-            <a:off x="2334807" y="4756204"/>
+            <a:off x="5103119" y="4756204"/>
             <a:ext cx="1" cy="55250"/>
           </a:xfrm>
           <a:prstGeom prst="line">
@@ -2124,7 +2124,7 @@
         </p:nvCxnSpPr>
         <p:spPr>
           <a:xfrm flipH="1">
-            <a:off x="3562588" y="6094964"/>
+            <a:off x="3975824" y="6094964"/>
             <a:ext cx="2227" cy="155435"/>
           </a:xfrm>
           <a:prstGeom prst="line">
@@ -2162,7 +2162,7 @@
         </p:nvCxnSpPr>
         <p:spPr>
           <a:xfrm>
-            <a:off x="4343233" y="6100738"/>
+            <a:off x="4756469" y="6100738"/>
             <a:ext cx="2329" cy="138724"/>
           </a:xfrm>
           <a:prstGeom prst="line">
@@ -2200,7 +2200,7 @@
         </p:nvCxnSpPr>
         <p:spPr>
           <a:xfrm>
-            <a:off x="2777008" y="6175863"/>
+            <a:off x="3190244" y="6175863"/>
             <a:ext cx="1" cy="74537"/>
           </a:xfrm>
           <a:prstGeom prst="line">
@@ -2235,7 +2235,7 @@
         </p:nvSpPr>
         <p:spPr>
           <a:xfrm>
-            <a:off x="-19461" y="5763520"/>
+            <a:off x="5085478" y="5763520"/>
             <a:ext cx="841898" cy="369332"/>
           </a:xfrm>
           <a:prstGeom prst="rect">
@@ -2446,7 +2446,7 @@
         </p:nvSpPr>
         <p:spPr>
           <a:xfrm>
-            <a:off x="1818306" y="4148787"/>
+            <a:off x="4586618" y="4148787"/>
             <a:ext cx="1033003" cy="607417"/>
           </a:xfrm>
           <a:prstGeom prst="rect">
@@ -2506,8 +2506,8 @@
         </p:nvSpPr>
         <p:spPr>
           <a:xfrm>
-            <a:off x="1641713" y="791631"/>
-            <a:ext cx="1471878" cy="230832"/>
+            <a:off x="1729633" y="791631"/>
+            <a:ext cx="1298753" cy="230832"/>
           </a:xfrm>
           <a:prstGeom prst="rect">
             <a:avLst/>
@@ -2521,7 +2521,7 @@
           <a:p>
             <a:r>
               <a:rPr lang="es-CO" sz="900" dirty="0"/>
-              <a:t>el principal exponente es el</a:t>
+              <a:t>su fuente principal es el</a:t>
             </a:r>
           </a:p>
         </p:txBody>
@@ -2534,7 +2534,7 @@
         </p:nvSpPr>
         <p:spPr>
           <a:xfrm>
-            <a:off x="5460491" y="4148787"/>
+            <a:off x="854619" y="4148787"/>
             <a:ext cx="1062718" cy="603286"/>
           </a:xfrm>
           <a:prstGeom prst="rect">
@@ -2594,7 +2594,7 @@
         </p:nvSpPr>
         <p:spPr>
           <a:xfrm>
-            <a:off x="2030877" y="4811454"/>
+            <a:off x="4799189" y="4811454"/>
             <a:ext cx="607859" cy="190770"/>
           </a:xfrm>
           <a:prstGeom prst="rect">
@@ -2622,7 +2622,7 @@
         </p:nvSpPr>
         <p:spPr>
           <a:xfrm>
-            <a:off x="3629882" y="3736986"/>
+            <a:off x="2768232" y="3736986"/>
             <a:ext cx="737702" cy="230832"/>
           </a:xfrm>
           <a:prstGeom prst="rect">
@@ -2653,7 +2653,7 @@
         </p:nvCxnSpPr>
         <p:spPr>
           <a:xfrm>
-            <a:off x="5991850" y="4752073"/>
+            <a:off x="1385978" y="4752073"/>
             <a:ext cx="0" cy="94320"/>
           </a:xfrm>
           <a:prstGeom prst="line">
@@ -2691,7 +2691,7 @@
         </p:nvCxnSpPr>
         <p:spPr>
           <a:xfrm>
-            <a:off x="1121521" y="6042527"/>
+            <a:off x="6226460" y="6042527"/>
             <a:ext cx="626" cy="209841"/>
           </a:xfrm>
           <a:prstGeom prst="line">
@@ -2726,7 +2726,7 @@
         </p:nvSpPr>
         <p:spPr>
           <a:xfrm>
-            <a:off x="3535253" y="3078408"/>
+            <a:off x="2673603" y="3078408"/>
             <a:ext cx="926960" cy="431792"/>
           </a:xfrm>
           <a:prstGeom prst="rect">
@@ -2886,7 +2886,7 @@
         </p:nvSpPr>
         <p:spPr>
           <a:xfrm>
-            <a:off x="5687920" y="4846393"/>
+            <a:off x="1082048" y="4846393"/>
             <a:ext cx="607859" cy="230832"/>
           </a:xfrm>
           <a:prstGeom prst="rect">
@@ -2914,7 +2914,7 @@
         </p:nvSpPr>
         <p:spPr>
           <a:xfrm>
-            <a:off x="5658746" y="6233667"/>
+            <a:off x="1052874" y="6233667"/>
             <a:ext cx="666209" cy="432353"/>
           </a:xfrm>
           <a:prstGeom prst="rect">
@@ -2972,7 +2972,7 @@
         </p:nvSpPr>
         <p:spPr>
           <a:xfrm>
-            <a:off x="6436630" y="6233666"/>
+            <a:off x="1830758" y="6233666"/>
             <a:ext cx="680319" cy="432353"/>
           </a:xfrm>
           <a:prstGeom prst="rect">
@@ -3012,13 +3012,16 @@
                   <a:schemeClr val="tx1"/>
                 </a:solidFill>
               </a:rPr>
-              <a:t>CnH2n+2</a:t>
-            </a:r>
-            <a:endParaRPr lang="es-CO" sz="900" baseline="30000" dirty="0">
-              <a:solidFill>
-                <a:schemeClr val="tx1"/>
-              </a:solidFill>
-            </a:endParaRPr>
+              <a:t>CnH</a:t>
+            </a:r>
+            <a:r>
+              <a:rPr lang="es-CO" sz="900" baseline="-25000" dirty="0">
+                <a:solidFill>
+                  <a:schemeClr val="tx1"/>
+                </a:solidFill>
+              </a:rPr>
+              <a:t>2n+2</a:t>
+            </a:r>
           </a:p>
         </p:txBody>
       </p:sp>
@@ -3033,7 +3036,7 @@
         </p:nvCxnSpPr>
         <p:spPr>
           <a:xfrm rot="5400000">
-            <a:off x="3041030" y="5278949"/>
+            <a:off x="3454266" y="5278949"/>
             <a:ext cx="263561" cy="791603"/>
           </a:xfrm>
           <a:prstGeom prst="bentConnector3">
@@ -3073,7 +3076,7 @@
         </p:nvCxnSpPr>
         <p:spPr>
           <a:xfrm rot="5400000" flipH="1" flipV="1">
-            <a:off x="3413827" y="5693959"/>
+            <a:off x="3827063" y="5693959"/>
             <a:ext cx="305773" cy="3796"/>
           </a:xfrm>
           <a:prstGeom prst="bentConnector3">
@@ -3110,7 +3113,7 @@
         </p:nvSpPr>
         <p:spPr>
           <a:xfrm>
-            <a:off x="4051965" y="6239462"/>
+            <a:off x="4465201" y="6239462"/>
             <a:ext cx="587193" cy="426560"/>
           </a:xfrm>
           <a:prstGeom prst="rect">
@@ -3146,7 +3149,11 @@
             <a:pPr algn="ctr"/>
             <a:r>
               <a:rPr lang="es-CO" sz="900" dirty="0"/>
-              <a:t>CnH2n</a:t>
+              <a:t>CnH</a:t>
+            </a:r>
+            <a:r>
+              <a:rPr lang="es-CO" sz="900" baseline="-25000" dirty="0"/>
+              <a:t>2n</a:t>
             </a:r>
           </a:p>
         </p:txBody>
@@ -3159,7 +3166,7 @@
         </p:nvSpPr>
         <p:spPr>
           <a:xfrm>
-            <a:off x="1573470" y="6250399"/>
+            <a:off x="6678409" y="6250399"/>
             <a:ext cx="587193" cy="415623"/>
           </a:xfrm>
           <a:prstGeom prst="rect">
@@ -3194,7 +3201,19 @@
           <a:p>
             <a:r>
               <a:rPr lang="es-CO" sz="900" dirty="0"/>
-              <a:t>CnH2n-2</a:t>
+              <a:t>C</a:t>
+            </a:r>
+            <a:r>
+              <a:rPr lang="es-CO" sz="900" baseline="-25000" dirty="0"/>
+              <a:t>n</a:t>
+            </a:r>
+            <a:r>
+              <a:rPr lang="es-CO" sz="900" dirty="0"/>
+              <a:t>H</a:t>
+            </a:r>
+            <a:r>
+              <a:rPr lang="es-CO" sz="900" baseline="-25000" dirty="0"/>
+              <a:t>2n-2</a:t>
             </a:r>
           </a:p>
         </p:txBody>
@@ -3207,7 +3226,7 @@
         </p:nvSpPr>
         <p:spPr>
           <a:xfrm>
-            <a:off x="3248104" y="6250399"/>
+            <a:off x="3661340" y="6250399"/>
             <a:ext cx="628967" cy="415623"/>
           </a:xfrm>
           <a:prstGeom prst="rect">
@@ -3256,7 +3275,7 @@
         </p:nvSpPr>
         <p:spPr>
           <a:xfrm>
-            <a:off x="2480080" y="6250400"/>
+            <a:off x="2893316" y="6250400"/>
             <a:ext cx="593857" cy="415622"/>
           </a:xfrm>
           <a:prstGeom prst="rect">
@@ -3310,7 +3329,7 @@
         </p:nvSpPr>
         <p:spPr>
           <a:xfrm>
-            <a:off x="799191" y="6252368"/>
+            <a:off x="5904130" y="6252368"/>
             <a:ext cx="645912" cy="413654"/>
           </a:xfrm>
           <a:prstGeom prst="rect">
@@ -3362,7 +3381,7 @@
         </p:nvCxnSpPr>
         <p:spPr>
           <a:xfrm rot="16200000" flipH="1">
-            <a:off x="5923985" y="5145090"/>
+            <a:off x="1318113" y="5145090"/>
             <a:ext cx="136140" cy="410"/>
           </a:xfrm>
           <a:prstGeom prst="bentConnector3">
@@ -3402,7 +3421,7 @@
         </p:nvCxnSpPr>
         <p:spPr>
           <a:xfrm rot="16200000" flipH="1">
-            <a:off x="1357133" y="5300076"/>
+            <a:off x="6462072" y="5300076"/>
             <a:ext cx="270326" cy="747208"/>
           </a:xfrm>
           <a:prstGeom prst="bentConnector3">
@@ -3439,7 +3458,7 @@
         </p:nvSpPr>
         <p:spPr>
           <a:xfrm>
-            <a:off x="944229" y="5811695"/>
+            <a:off x="6049168" y="5811695"/>
             <a:ext cx="354584" cy="230832"/>
           </a:xfrm>
           <a:prstGeom prst="rect">
@@ -3470,7 +3489,7 @@
         </p:nvCxnSpPr>
         <p:spPr>
           <a:xfrm rot="16200000" flipH="1">
-            <a:off x="983517" y="5673691"/>
+            <a:off x="6088456" y="5673691"/>
             <a:ext cx="273178" cy="2829"/>
           </a:xfrm>
           <a:prstGeom prst="bentConnector3">
@@ -3510,7 +3529,7 @@
         </p:nvCxnSpPr>
         <p:spPr>
           <a:xfrm rot="5400000" flipH="1" flipV="1">
-            <a:off x="647589" y="5292417"/>
+            <a:off x="5752528" y="5292417"/>
             <a:ext cx="225003" cy="717204"/>
           </a:xfrm>
           <a:prstGeom prst="bentConnector3">
@@ -3547,7 +3566,7 @@
         </p:nvSpPr>
         <p:spPr>
           <a:xfrm>
-            <a:off x="103005" y="6239462"/>
+            <a:off x="5207944" y="6239462"/>
             <a:ext cx="599433" cy="426560"/>
           </a:xfrm>
           <a:prstGeom prst="rect">
@@ -3604,8 +3623,8 @@
         </p:nvCxnSpPr>
         <p:spPr>
           <a:xfrm rot="16200000" flipV="1">
-            <a:off x="7899640" y="2426548"/>
-            <a:ext cx="199261" cy="1104459"/>
+            <a:off x="7904036" y="2430944"/>
+            <a:ext cx="199261" cy="1095667"/>
           </a:xfrm>
           <a:prstGeom prst="bentConnector3">
             <a:avLst>
@@ -3644,8 +3663,8 @@
         </p:nvCxnSpPr>
         <p:spPr>
           <a:xfrm rot="5400000">
-            <a:off x="5623257" y="1254624"/>
-            <a:ext cx="199261" cy="3448307"/>
+            <a:off x="5196828" y="819403"/>
+            <a:ext cx="199261" cy="4318749"/>
           </a:xfrm>
           <a:prstGeom prst="bentConnector3">
             <a:avLst>
@@ -3684,7 +3703,7 @@
         </p:nvCxnSpPr>
         <p:spPr>
           <a:xfrm flipH="1">
-            <a:off x="5991851" y="6107220"/>
+            <a:off x="1385979" y="6107220"/>
             <a:ext cx="1" cy="126447"/>
           </a:xfrm>
           <a:prstGeom prst="line">
@@ -3722,7 +3741,7 @@
         </p:nvCxnSpPr>
         <p:spPr>
           <a:xfrm flipH="1">
-            <a:off x="6776790" y="6092406"/>
+            <a:off x="2170918" y="6092406"/>
             <a:ext cx="1" cy="141260"/>
           </a:xfrm>
           <a:prstGeom prst="line">
@@ -3760,7 +3779,7 @@
         </p:nvCxnSpPr>
         <p:spPr>
           <a:xfrm flipH="1">
-            <a:off x="5206909" y="6173190"/>
+            <a:off x="601037" y="6173190"/>
             <a:ext cx="1" cy="60478"/>
           </a:xfrm>
           <a:prstGeom prst="line">
@@ -3889,7 +3908,7 @@
         </p:nvSpPr>
         <p:spPr>
           <a:xfrm>
-            <a:off x="7078189" y="2648315"/>
+            <a:off x="7086981" y="2648315"/>
             <a:ext cx="737702" cy="230832"/>
           </a:xfrm>
           <a:prstGeom prst="rect">
@@ -3919,9 +3938,9 @@
           <p:nvPr/>
         </p:nvCxnSpPr>
         <p:spPr>
-          <a:xfrm>
-            <a:off x="7447040" y="2879147"/>
-            <a:ext cx="4614" cy="199261"/>
+          <a:xfrm flipH="1">
+            <a:off x="7451654" y="2879147"/>
+            <a:ext cx="4178" cy="199261"/>
           </a:xfrm>
           <a:prstGeom prst="line">
             <a:avLst/>
@@ -4034,7 +4053,7 @@
         </p:nvCxnSpPr>
         <p:spPr>
           <a:xfrm>
-            <a:off x="3998733" y="3510200"/>
+            <a:off x="3137083" y="3510200"/>
             <a:ext cx="0" cy="226786"/>
           </a:xfrm>
           <a:prstGeom prst="line">
@@ -4071,9 +4090,75 @@
           <p:nvPr/>
         </p:nvCxnSpPr>
         <p:spPr>
-          <a:xfrm>
+          <a:xfrm flipH="1">
             <a:off x="2377652" y="1022463"/>
-            <a:ext cx="0" cy="91405"/>
+            <a:ext cx="1358" cy="91405"/>
+          </a:xfrm>
+          <a:prstGeom prst="line">
+            <a:avLst/>
+          </a:prstGeom>
+          <a:ln w="12700">
+            <a:solidFill>
+              <a:schemeClr val="tx1"/>
+            </a:solidFill>
+          </a:ln>
+        </p:spPr>
+        <p:style>
+          <a:lnRef idx="1">
+            <a:schemeClr val="accent1"/>
+          </a:lnRef>
+          <a:fillRef idx="0">
+            <a:schemeClr val="accent1"/>
+          </a:fillRef>
+          <a:effectRef idx="0">
+            <a:schemeClr val="accent1"/>
+          </a:effectRef>
+          <a:fontRef idx="minor">
+            <a:schemeClr val="tx1"/>
+          </a:fontRef>
+        </p:style>
+      </p:cxnSp>
+      <p:sp>
+        <p:nvSpPr>
+          <p:cNvPr id="77" name="Rectángulo 76"/>
+          <p:cNvSpPr/>
+          <p:nvPr/>
+        </p:nvSpPr>
+        <p:spPr>
+          <a:xfrm>
+            <a:off x="7278421" y="793662"/>
+            <a:ext cx="351378" cy="230832"/>
+          </a:xfrm>
+          <a:prstGeom prst="rect">
+            <a:avLst/>
+          </a:prstGeom>
+        </p:spPr>
+        <p:txBody>
+          <a:bodyPr wrap="none">
+            <a:spAutoFit/>
+          </a:bodyPr>
+          <a:lstStyle/>
+          <a:p>
+            <a:r>
+              <a:rPr lang="es-CO" sz="900" dirty="0"/>
+              <a:t>son</a:t>
+            </a:r>
+          </a:p>
+        </p:txBody>
+      </p:sp>
+      <p:cxnSp>
+        <p:nvCxnSpPr>
+          <p:cNvPr id="79" name="Conector recto 78"/>
+          <p:cNvCxnSpPr>
+            <a:stCxn id="83" idx="0"/>
+            <a:endCxn id="77" idx="2"/>
+          </p:cNvCxnSpPr>
+          <p:nvPr/>
+        </p:nvCxnSpPr>
+        <p:spPr>
+          <a:xfrm flipV="1">
+            <a:off x="7452246" y="1024494"/>
+            <a:ext cx="1864" cy="91688"/>
           </a:xfrm>
           <a:prstGeom prst="line">
             <a:avLst/>
